--- a/Submitted files/SBD.pptx
+++ b/Submitted files/SBD.pptx
@@ -6989,6 +6989,76 @@
           </a:fontRef>
         </p:style>
       </p:cxnSp>
+      <p:sp>
+        <p:nvSpPr>
+          <p:cNvPr id="27" name="TextBox 26">
+            <a:extLst>
+              <a:ext uri="{FF2B5EF4-FFF2-40B4-BE49-F238E27FC236}">
+                <a16:creationId xmlns:a16="http://schemas.microsoft.com/office/drawing/2014/main" id="{715D3D83-48FE-4153-A01C-C40D8D2DB15B}"/>
+              </a:ext>
+            </a:extLst>
+          </p:cNvPr>
+          <p:cNvSpPr txBox="1"/>
+          <p:nvPr/>
+        </p:nvSpPr>
+        <p:spPr>
+          <a:xfrm>
+            <a:off x="2532997" y="8043104"/>
+            <a:ext cx="4921540" cy="830997"/>
+          </a:xfrm>
+          <a:prstGeom prst="rect">
+            <a:avLst/>
+          </a:prstGeom>
+          <a:noFill/>
+        </p:spPr>
+        <p:txBody>
+          <a:bodyPr wrap="none" rtlCol="0">
+            <a:spAutoFit/>
+          </a:bodyPr>
+          <a:lstStyle/>
+          <a:p>
+            <a:r>
+              <a:rPr lang="en-HK" sz="4800" b="1" u="sng" dirty="0"/>
+              <a:t>Arduino Flowchart</a:t>
+            </a:r>
+          </a:p>
+        </p:txBody>
+      </p:sp>
+      <p:sp>
+        <p:nvSpPr>
+          <p:cNvPr id="28" name="TextBox 27">
+            <a:extLst>
+              <a:ext uri="{FF2B5EF4-FFF2-40B4-BE49-F238E27FC236}">
+                <a16:creationId xmlns:a16="http://schemas.microsoft.com/office/drawing/2014/main" id="{DF3D9F35-12E1-4586-A915-19041A90C56B}"/>
+              </a:ext>
+            </a:extLst>
+          </p:cNvPr>
+          <p:cNvSpPr txBox="1"/>
+          <p:nvPr/>
+        </p:nvSpPr>
+        <p:spPr>
+          <a:xfrm>
+            <a:off x="3333095" y="9630460"/>
+            <a:ext cx="6211829" cy="830997"/>
+          </a:xfrm>
+          <a:prstGeom prst="rect">
+            <a:avLst/>
+          </a:prstGeom>
+          <a:noFill/>
+        </p:spPr>
+        <p:txBody>
+          <a:bodyPr wrap="none" rtlCol="0">
+            <a:spAutoFit/>
+          </a:bodyPr>
+          <a:lstStyle/>
+          <a:p>
+            <a:r>
+              <a:rPr lang="en-HK" sz="4800" b="1" u="sng" dirty="0"/>
+              <a:t>Python (Nav) Flowchart</a:t>
+            </a:r>
+          </a:p>
+        </p:txBody>
+      </p:sp>
     </p:spTree>
     <p:extLst>
       <p:ext uri="{BB962C8B-B14F-4D97-AF65-F5344CB8AC3E}">
